--- a/reports/Rendimientos de Cultivos.pptx
+++ b/reports/Rendimientos de Cultivos.pptx
@@ -111,6 +111,11 @@
       </a:defRPr>
     </a:lvl9pPr>
   </p:defaultTextStyle>
+  <p:extLst>
+    <p:ext uri="{EFAFB233-063F-42B5-8137-9DF3F51BA10A}">
+      <p15:sldGuideLst xmlns:p15="http://schemas.microsoft.com/office/powerpoint/2012/main"/>
+    </p:ext>
+  </p:extLst>
 </p:presentation>
 </file>
 
@@ -245,7 +250,7 @@
           <a:p>
             <a:fld id="{037B2944-EF04-4846-B113-716B2AB254F3}" type="datetimeFigureOut">
               <a:rPr lang="es-AR" smtClean="0"/>
-              <a:t>26/11/2022</a:t>
+              <a:t>27/11/2022</a:t>
             </a:fld>
             <a:endParaRPr lang="es-AR"/>
           </a:p>
@@ -415,7 +420,7 @@
           <a:p>
             <a:fld id="{037B2944-EF04-4846-B113-716B2AB254F3}" type="datetimeFigureOut">
               <a:rPr lang="es-AR" smtClean="0"/>
-              <a:t>26/11/2022</a:t>
+              <a:t>27/11/2022</a:t>
             </a:fld>
             <a:endParaRPr lang="es-AR"/>
           </a:p>
@@ -595,7 +600,7 @@
           <a:p>
             <a:fld id="{037B2944-EF04-4846-B113-716B2AB254F3}" type="datetimeFigureOut">
               <a:rPr lang="es-AR" smtClean="0"/>
-              <a:t>26/11/2022</a:t>
+              <a:t>27/11/2022</a:t>
             </a:fld>
             <a:endParaRPr lang="es-AR"/>
           </a:p>
@@ -765,7 +770,7 @@
           <a:p>
             <a:fld id="{037B2944-EF04-4846-B113-716B2AB254F3}" type="datetimeFigureOut">
               <a:rPr lang="es-AR" smtClean="0"/>
-              <a:t>26/11/2022</a:t>
+              <a:t>27/11/2022</a:t>
             </a:fld>
             <a:endParaRPr lang="es-AR"/>
           </a:p>
@@ -1011,7 +1016,7 @@
           <a:p>
             <a:fld id="{037B2944-EF04-4846-B113-716B2AB254F3}" type="datetimeFigureOut">
               <a:rPr lang="es-AR" smtClean="0"/>
-              <a:t>26/11/2022</a:t>
+              <a:t>27/11/2022</a:t>
             </a:fld>
             <a:endParaRPr lang="es-AR"/>
           </a:p>
@@ -1243,7 +1248,7 @@
           <a:p>
             <a:fld id="{037B2944-EF04-4846-B113-716B2AB254F3}" type="datetimeFigureOut">
               <a:rPr lang="es-AR" smtClean="0"/>
-              <a:t>26/11/2022</a:t>
+              <a:t>27/11/2022</a:t>
             </a:fld>
             <a:endParaRPr lang="es-AR"/>
           </a:p>
@@ -1610,7 +1615,7 @@
           <a:p>
             <a:fld id="{037B2944-EF04-4846-B113-716B2AB254F3}" type="datetimeFigureOut">
               <a:rPr lang="es-AR" smtClean="0"/>
-              <a:t>26/11/2022</a:t>
+              <a:t>27/11/2022</a:t>
             </a:fld>
             <a:endParaRPr lang="es-AR"/>
           </a:p>
@@ -1728,7 +1733,7 @@
           <a:p>
             <a:fld id="{037B2944-EF04-4846-B113-716B2AB254F3}" type="datetimeFigureOut">
               <a:rPr lang="es-AR" smtClean="0"/>
-              <a:t>26/11/2022</a:t>
+              <a:t>27/11/2022</a:t>
             </a:fld>
             <a:endParaRPr lang="es-AR"/>
           </a:p>
@@ -1823,7 +1828,7 @@
           <a:p>
             <a:fld id="{037B2944-EF04-4846-B113-716B2AB254F3}" type="datetimeFigureOut">
               <a:rPr lang="es-AR" smtClean="0"/>
-              <a:t>26/11/2022</a:t>
+              <a:t>27/11/2022</a:t>
             </a:fld>
             <a:endParaRPr lang="es-AR"/>
           </a:p>
@@ -2100,7 +2105,7 @@
           <a:p>
             <a:fld id="{037B2944-EF04-4846-B113-716B2AB254F3}" type="datetimeFigureOut">
               <a:rPr lang="es-AR" smtClean="0"/>
-              <a:t>26/11/2022</a:t>
+              <a:t>27/11/2022</a:t>
             </a:fld>
             <a:endParaRPr lang="es-AR"/>
           </a:p>
@@ -2353,7 +2358,7 @@
           <a:p>
             <a:fld id="{037B2944-EF04-4846-B113-716B2AB254F3}" type="datetimeFigureOut">
               <a:rPr lang="es-AR" smtClean="0"/>
-              <a:t>26/11/2022</a:t>
+              <a:t>27/11/2022</a:t>
             </a:fld>
             <a:endParaRPr lang="es-AR"/>
           </a:p>
@@ -2566,7 +2571,7 @@
           <a:p>
             <a:fld id="{037B2944-EF04-4846-B113-716B2AB254F3}" type="datetimeFigureOut">
               <a:rPr lang="es-AR" smtClean="0"/>
-              <a:t>26/11/2022</a:t>
+              <a:t>27/11/2022</a:t>
             </a:fld>
             <a:endParaRPr lang="es-AR"/>
           </a:p>
@@ -3011,7 +3016,7 @@
       </p:sp>
       <p:pic>
         <p:nvPicPr>
-          <p:cNvPr id="4" name="Imagen 3"/>
+          <p:cNvPr id="5" name="Imagen 4"/>
           <p:cNvPicPr>
             <a:picLocks noChangeAspect="1"/>
           </p:cNvPicPr>
@@ -3019,47 +3024,17 @@
         </p:nvPicPr>
         <p:blipFill rotWithShape="1">
           <a:blip r:embed="rId2"/>
-          <a:srcRect l="24824" t="22709" r="4296" b="8712"/>
+          <a:srcRect l="24613" t="22521" r="4295" b="9277"/>
           <a:stretch/>
         </p:blipFill>
         <p:spPr>
           <a:xfrm>
-            <a:off x="1015284" y="746236"/>
-            <a:ext cx="10161431" cy="5527454"/>
+            <a:off x="875762" y="811369"/>
+            <a:ext cx="10393251" cy="5112913"/>
           </a:xfrm>
           <a:prstGeom prst="rect">
             <a:avLst/>
           </a:prstGeom>
-          <a:solidFill>
-            <a:srgbClr val="FFFFFF">
-              <a:shade val="85000"/>
-            </a:srgbClr>
-          </a:solidFill>
-          <a:ln w="88900" cap="sq">
-            <a:solidFill>
-              <a:srgbClr val="FFFFFF"/>
-            </a:solidFill>
-            <a:miter lim="800000"/>
-          </a:ln>
-          <a:effectLst>
-            <a:outerShdw blurRad="55000" dist="18000" dir="5400000" algn="tl" rotWithShape="0">
-              <a:srgbClr val="000000">
-                <a:alpha val="40000"/>
-              </a:srgbClr>
-            </a:outerShdw>
-          </a:effectLst>
-          <a:scene3d>
-            <a:camera prst="orthographicFront"/>
-            <a:lightRig rig="twoPt" dir="t">
-              <a:rot lat="0" lon="0" rev="7200000"/>
-            </a:lightRig>
-          </a:scene3d>
-          <a:sp3d>
-            <a:bevelT w="25400" h="19050"/>
-            <a:contourClr>
-              <a:srgbClr val="FFFFFF"/>
-            </a:contourClr>
-          </a:sp3d>
         </p:spPr>
       </p:pic>
     </p:spTree>
@@ -3094,7 +3069,7 @@
       </p:grpSpPr>
       <p:pic>
         <p:nvPicPr>
-          <p:cNvPr id="2" name="Imagen 1"/>
+          <p:cNvPr id="3" name="Imagen 2"/>
           <p:cNvPicPr>
             <a:picLocks noChangeAspect="1"/>
           </p:cNvPicPr>
@@ -3102,13 +3077,13 @@
         </p:nvPicPr>
         <p:blipFill rotWithShape="1">
           <a:blip r:embed="rId2"/>
-          <a:srcRect l="23980" t="21958" r="4295" b="9276"/>
+          <a:srcRect l="23980" t="22146" r="4295" b="9652"/>
           <a:stretch/>
         </p:blipFill>
         <p:spPr>
           <a:xfrm>
-            <a:off x="1017430" y="790883"/>
-            <a:ext cx="9929612" cy="5352339"/>
+            <a:off x="1081825" y="862885"/>
+            <a:ext cx="9890975" cy="5287811"/>
           </a:xfrm>
           <a:prstGeom prst="rect">
             <a:avLst/>
@@ -3712,489 +3687,4 @@
     </a:ext>
   </a:extLst>
 </a:theme>
-</file>
-
-<file path=_xmlsignatures/sig1.xml><?xml version="1.0" encoding="utf-8"?>
-<Signature xmlns="http://www.w3.org/2000/09/xmldsig#" Id="idPackageSignature">
-  <SignedInfo>
-    <CanonicalizationMethod Algorithm="http://www.w3.org/TR/2001/REC-xml-c14n-20010315"/>
-    <SignatureMethod Algorithm="http://www.w3.org/2001/04/xmldsig-more#rsa-sha256"/>
-    <Reference Type="http://www.w3.org/2000/09/xmldsig#Object" URI="#idPackageObject">
-      <DigestMethod Algorithm="http://www.w3.org/2001/04/xmlenc#sha256"/>
-      <DigestValue>fsXz/hlqHL6oZBm0JD1umeg8C19RcTw799koC2rfRn0=</DigestValue>
-    </Reference>
-    <Reference Type="http://www.w3.org/2000/09/xmldsig#Object" URI="#idOfficeObject">
-      <DigestMethod Algorithm="http://www.w3.org/2001/04/xmlenc#sha256"/>
-      <DigestValue>x835i3Ki+WQkt+8PSQ4zisVMjl3SbzOv9TOGHQFz7fA=</DigestValue>
-    </Reference>
-    <Reference Type="http://uri.etsi.org/01903#SignedProperties" URI="#idSignedProperties">
-      <Transforms>
-        <Transform Algorithm="http://www.w3.org/TR/2001/REC-xml-c14n-20010315"/>
-      </Transforms>
-      <DigestMethod Algorithm="http://www.w3.org/2001/04/xmlenc#sha256"/>
-      <DigestValue>vv7qCnMRKioneDkigHDhQBcVZ0btvDaQgFZcmpj3OMg=</DigestValue>
-    </Reference>
-  </SignedInfo>
-  <SignatureValue>JEKAl3hIXFo0tD1J93AorD0EcWceZAUMOgH/UUYtXnIfGq+foIdyRgWX8HtO+7Oa0yNeFf3/aiaz
-UvC3CubtqDTj7oIquqmMBNb7nvQ5oQ/vzRRScfXqb4TOOelkQN06U3JiBP/cSIz8Jb0y7oOQeG76
-Lf+4jm7NEPY1cDU9w7GovN2wFCUWf0PQNZuB/2IstOogy7njQHa8zecPh/5YP2UFfxIRR7+Jyzq6
-uiYEZjpa2qi/NgStiNDypK1XLH9xHB2TewIv7gP+bS9A0kIMqLhMVFzz0D+9s/C7U9A73IAv9Rr6
-boAiOBvzxIPiSeyFrsV3MOqiLXP5xOZ1QKmc7w==</SignatureValue>
-  <KeyInfo>
-    <X509Data>
-      <X509Certificate>MIID8jCCAtqgAwIBAgIQTAttsxnAN7RKNZ3PrDiCBDANBgkqhkiG9w0BAQsFADB4MXYwEQYKCZImiZPyLGQBGRYDbmV0MBUGCgmSJomT8ixkARkWB3dpbmRvd3MwHQYDVQQDExZNUy1Pcmdhbml6YXRpb24tQWNjZXNzMCsGA1UECxMkODJkYmFjYTQtM2U4MS00NmNhLTljNzMtMDk1MGMxZWFjYTk3MB4XDTIxMDUyOTAwMjMwMFoXDTMxMDUyOTAwNTMwMFowLzEtMCsGA1UEAxMkOWQxMTZmM2EtMWI2ZS00YmFmLWI2OTEtMDZhOWI0MTIxNWMwMIIBIjANBgkqhkiG9w0BAQEFAAOCAQ8AMIIBCgKCAQEAzD4YnUjT3/TyB03ny09j0pK2tuyV7oPPKsDzdHkDJq4qD6e3RjotENlKUOvjuGWTusQRlsqTGjcTPAOJ4AZJ4lPI6FOGum9lOqfqnvEXBo9YDeJ28C10mpz7ykPLLksPksQStUSfewSCvXIZ2cleleXfEr3ghZCTV0QwFAvQvOockdYWCrKWuoSg3VhxQd4SnsZQM42ngnfW/Kv5ACjo5OyA+toXHNSKaI8hRdit5Y42KfWRrnI429ofPmWBTs2mTRa5SmK61RtBnKcHMPqFiK4alcUtIeUVOxknhHBJC5MLPKo7wr6/P7QoWzFVXyCU36rK16ylqJNPvMOIHdPn7QIDAQABo4HAMIG9MAwGA1UdEwEB/wQCMAAwFgYDVR0lAQH/BAwwCgYIKwYBBQUHAwIwIgYLKoZIhvcUAQWCHAIEEwSBEDpvEZ1uG69LtpEGqbQSFcAwIgYLKoZIhvcUAQWCHAMEEwSBENtIblYwhZFNg5qGlXIwVzcwIgYLKoZIhvcUAQWCHAUEEwSBEHmPgUyEq1JFm3wv5xWw0NUwFAYLKoZIhvcUAQWCHAgEBQSBAlNBMBMGCyqGSIb3FAEFghwHBAQEgQEwMA0GCSqGSIb3DQEBCwUAA4IBAQBuS5BVuHOG5/SK1y9QiMVjWhwCIVlkanVCTXsdwOtKdG4tMzs80m6JsEL4zhfShFlEwDEhq7SZTRm5e0wba2epi0Y1+EcpTx5w7aDiCBaMR1aX29OwBkeCu2I+kTW3WEhLAEpQSlYpy1ktC3NzHu7h7suArUJF08I5JvBFFD/LRpxkstwSKIGAC0GLGSJ3SJjx6R7DEZ2aYFgpYZKGutggfHWixJviGs2bYUN5cS9tR7yM92a9GQLM6H4/dDXYlSsD2zNZ9oyTOFwfCVuPBz1ckAHePVNa9dy/ufPoBH5EQl+0B9Ze0NZifNxd18IJcnGywY+WRMjcyEiQzYlxIfBL</X509Certificate>
-    </X509Data>
-  </KeyInfo>
-  <Object Id="idPackageObject">
-    <Manifest>
-      <Reference URI="/_rels/.rels?ContentType=application/vnd.openxmlformats-package.relationships+xml">
-        <Transforms>
-          <Transform Algorithm="http://schemas.openxmlformats.org/package/2006/RelationshipTransform">
-            <mdssi:RelationshipReference xmlns:mdssi="http://schemas.openxmlformats.org/package/2006/digital-signature" SourceId="rId1"/>
-          </Transform>
-          <Transform Algorithm="http://www.w3.org/TR/2001/REC-xml-c14n-20010315"/>
-        </Transforms>
-        <DigestMethod Algorithm="http://www.w3.org/2001/04/xmlenc#sha256"/>
-        <DigestValue>ZA0yc/xO3JTsFCHnkGRYT0tE9b7806O9EDnxF1WjyYo=</DigestValue>
-      </Reference>
-      <Reference URI="/ppt/_rels/presentation.xml.rels?ContentType=application/vnd.openxmlformats-package.relationships+xml">
-        <Transforms>
-          <Transform Algorithm="http://schemas.openxmlformats.org/package/2006/RelationshipTransform">
-            <mdssi:RelationshipReference xmlns:mdssi="http://schemas.openxmlformats.org/package/2006/digital-signature" SourceId="rId8"/>
-            <mdssi:RelationshipReference xmlns:mdssi="http://schemas.openxmlformats.org/package/2006/digital-signature" SourceId="rId13"/>
-            <mdssi:RelationshipReference xmlns:mdssi="http://schemas.openxmlformats.org/package/2006/digital-signature" SourceId="rId3"/>
-            <mdssi:RelationshipReference xmlns:mdssi="http://schemas.openxmlformats.org/package/2006/digital-signature" SourceId="rId7"/>
-            <mdssi:RelationshipReference xmlns:mdssi="http://schemas.openxmlformats.org/package/2006/digital-signature" SourceId="rId12"/>
-            <mdssi:RelationshipReference xmlns:mdssi="http://schemas.openxmlformats.org/package/2006/digital-signature" SourceId="rId2"/>
-            <mdssi:RelationshipReference xmlns:mdssi="http://schemas.openxmlformats.org/package/2006/digital-signature" SourceId="rId1"/>
-            <mdssi:RelationshipReference xmlns:mdssi="http://schemas.openxmlformats.org/package/2006/digital-signature" SourceId="rId6"/>
-            <mdssi:RelationshipReference xmlns:mdssi="http://schemas.openxmlformats.org/package/2006/digital-signature" SourceId="rId11"/>
-            <mdssi:RelationshipReference xmlns:mdssi="http://schemas.openxmlformats.org/package/2006/digital-signature" SourceId="rId5"/>
-            <mdssi:RelationshipReference xmlns:mdssi="http://schemas.openxmlformats.org/package/2006/digital-signature" SourceId="rId10"/>
-            <mdssi:RelationshipReference xmlns:mdssi="http://schemas.openxmlformats.org/package/2006/digital-signature" SourceId="rId4"/>
-            <mdssi:RelationshipReference xmlns:mdssi="http://schemas.openxmlformats.org/package/2006/digital-signature" SourceId="rId9"/>
-          </Transform>
-          <Transform Algorithm="http://www.w3.org/TR/2001/REC-xml-c14n-20010315"/>
-        </Transforms>
-        <DigestMethod Algorithm="http://www.w3.org/2001/04/xmlenc#sha256"/>
-        <DigestValue>uc1XRpm0x1d747ywTQk2++wegnXvNbRt6L+4ETSZT40=</DigestValue>
-      </Reference>
-      <Reference URI="/ppt/media/image1.png?ContentType=image/png">
-        <DigestMethod Algorithm="http://www.w3.org/2001/04/xmlenc#sha256"/>
-        <DigestValue>Lp/vWaOvkc92nJvAt0IxWDcJFYNHz9EaeAWp783Rbqo=</DigestValue>
-      </Reference>
-      <Reference URI="/ppt/media/image2.png?ContentType=image/png">
-        <DigestMethod Algorithm="http://www.w3.org/2001/04/xmlenc#sha256"/>
-        <DigestValue>yhXRQMM1GLjlSe83zq0gNcSGpJ3lPLCuZCZvVb7eUtc=</DigestValue>
-      </Reference>
-      <Reference URI="/ppt/media/image3.png?ContentType=image/png">
-        <DigestMethod Algorithm="http://www.w3.org/2001/04/xmlenc#sha256"/>
-        <DigestValue>J5PTsOdqXqZFpUteeayvE7lec8GtFTiWpJQBwnYNEcs=</DigestValue>
-      </Reference>
-      <Reference URI="/ppt/media/image4.png?ContentType=image/png">
-        <DigestMethod Algorithm="http://www.w3.org/2001/04/xmlenc#sha256"/>
-        <DigestValue>sCdwf/alvCb1d+2OIVrTcNoVjq7E0bmxkEE2qyoqWbw=</DigestValue>
-      </Reference>
-      <Reference URI="/ppt/media/image5.png?ContentType=image/png">
-        <DigestMethod Algorithm="http://www.w3.org/2001/04/xmlenc#sha256"/>
-        <DigestValue>F47UvYWIC6qflXPHkbg3UZP7VVwOx3RdMksSnpzWMvE=</DigestValue>
-      </Reference>
-      <Reference URI="/ppt/media/image6.png?ContentType=image/png">
-        <DigestMethod Algorithm="http://www.w3.org/2001/04/xmlenc#sha256"/>
-        <DigestValue>q/3t3HjjFDhkvfETWYe5yvFtCuKGErJsmT90OJA3EgM=</DigestValue>
-      </Reference>
-      <Reference URI="/ppt/media/image7.png?ContentType=image/png">
-        <DigestMethod Algorithm="http://www.w3.org/2001/04/xmlenc#sha256"/>
-        <DigestValue>b6UH9FICYqnOx5yjJsQ7llJZCBzQxSCYI5ZhdB4ZmMs=</DigestValue>
-      </Reference>
-      <Reference URI="/ppt/media/image8.png?ContentType=image/png">
-        <DigestMethod Algorithm="http://www.w3.org/2001/04/xmlenc#sha256"/>
-        <DigestValue>MfgXAgWnfoyt4TmVJfD9MXnY/gzmzIXqE6uegwxTJig=</DigestValue>
-      </Reference>
-      <Reference URI="/ppt/presentation.xml?ContentType=application/vnd.openxmlformats-officedocument.presentationml.presentation.main+xml">
-        <DigestMethod Algorithm="http://www.w3.org/2001/04/xmlenc#sha256"/>
-        <DigestValue>3dvzEIczDkpCE+Ixs1HI9QVvjS8lKIpvXjCZF2ueg0o=</DigestValue>
-      </Reference>
-      <Reference URI="/ppt/presProps.xml?ContentType=application/vnd.openxmlformats-officedocument.presentationml.presProps+xml">
-        <DigestMethod Algorithm="http://www.w3.org/2001/04/xmlenc#sha256"/>
-        <DigestValue>vINp1phVL4KgOwJyro+HzB2HTum3ppUsffradr5LQjY=</DigestValue>
-      </Reference>
-      <Reference URI="/ppt/slideLayouts/_rels/slideLayout1.xml.rels?ContentType=application/vnd.openxmlformats-package.relationships+xml">
-        <Transforms>
-          <Transform Algorithm="http://schemas.openxmlformats.org/package/2006/RelationshipTransform">
-            <mdssi:RelationshipReference xmlns:mdssi="http://schemas.openxmlformats.org/package/2006/digital-signature" SourceId="rId1"/>
-          </Transform>
-          <Transform Algorithm="http://www.w3.org/TR/2001/REC-xml-c14n-20010315"/>
-        </Transforms>
-        <DigestMethod Algorithm="http://www.w3.org/2001/04/xmlenc#sha256"/>
-        <DigestValue>FfOTYs5qPsP9kqr29v088r9Qteu7RHAHwl1tK5oOaCM=</DigestValue>
-      </Reference>
-      <Reference URI="/ppt/slideLayouts/_rels/slideLayout10.xml.rels?ContentType=application/vnd.openxmlformats-package.relationships+xml">
-        <Transforms>
-          <Transform Algorithm="http://schemas.openxmlformats.org/package/2006/RelationshipTransform">
-            <mdssi:RelationshipReference xmlns:mdssi="http://schemas.openxmlformats.org/package/2006/digital-signature" SourceId="rId1"/>
-          </Transform>
-          <Transform Algorithm="http://www.w3.org/TR/2001/REC-xml-c14n-20010315"/>
-        </Transforms>
-        <DigestMethod Algorithm="http://www.w3.org/2001/04/xmlenc#sha256"/>
-        <DigestValue>FfOTYs5qPsP9kqr29v088r9Qteu7RHAHwl1tK5oOaCM=</DigestValue>
-      </Reference>
-      <Reference URI="/ppt/slideLayouts/_rels/slideLayout11.xml.rels?ContentType=application/vnd.openxmlformats-package.relationships+xml">
-        <Transforms>
-          <Transform Algorithm="http://schemas.openxmlformats.org/package/2006/RelationshipTransform">
-            <mdssi:RelationshipReference xmlns:mdssi="http://schemas.openxmlformats.org/package/2006/digital-signature" SourceId="rId1"/>
-          </Transform>
-          <Transform Algorithm="http://www.w3.org/TR/2001/REC-xml-c14n-20010315"/>
-        </Transforms>
-        <DigestMethod Algorithm="http://www.w3.org/2001/04/xmlenc#sha256"/>
-        <DigestValue>FfOTYs5qPsP9kqr29v088r9Qteu7RHAHwl1tK5oOaCM=</DigestValue>
-      </Reference>
-      <Reference URI="/ppt/slideLayouts/_rels/slideLayout2.xml.rels?ContentType=application/vnd.openxmlformats-package.relationships+xml">
-        <Transforms>
-          <Transform Algorithm="http://schemas.openxmlformats.org/package/2006/RelationshipTransform">
-            <mdssi:RelationshipReference xmlns:mdssi="http://schemas.openxmlformats.org/package/2006/digital-signature" SourceId="rId1"/>
-          </Transform>
-          <Transform Algorithm="http://www.w3.org/TR/2001/REC-xml-c14n-20010315"/>
-        </Transforms>
-        <DigestMethod Algorithm="http://www.w3.org/2001/04/xmlenc#sha256"/>
-        <DigestValue>FfOTYs5qPsP9kqr29v088r9Qteu7RHAHwl1tK5oOaCM=</DigestValue>
-      </Reference>
-      <Reference URI="/ppt/slideLayouts/_rels/slideLayout3.xml.rels?ContentType=application/vnd.openxmlformats-package.relationships+xml">
-        <Transforms>
-          <Transform Algorithm="http://schemas.openxmlformats.org/package/2006/RelationshipTransform">
-            <mdssi:RelationshipReference xmlns:mdssi="http://schemas.openxmlformats.org/package/2006/digital-signature" SourceId="rId1"/>
-          </Transform>
-          <Transform Algorithm="http://www.w3.org/TR/2001/REC-xml-c14n-20010315"/>
-        </Transforms>
-        <DigestMethod Algorithm="http://www.w3.org/2001/04/xmlenc#sha256"/>
-        <DigestValue>FfOTYs5qPsP9kqr29v088r9Qteu7RHAHwl1tK5oOaCM=</DigestValue>
-      </Reference>
-      <Reference URI="/ppt/slideLayouts/_rels/slideLayout4.xml.rels?ContentType=application/vnd.openxmlformats-package.relationships+xml">
-        <Transforms>
-          <Transform Algorithm="http://schemas.openxmlformats.org/package/2006/RelationshipTransform">
-            <mdssi:RelationshipReference xmlns:mdssi="http://schemas.openxmlformats.org/package/2006/digital-signature" SourceId="rId1"/>
-          </Transform>
-          <Transform Algorithm="http://www.w3.org/TR/2001/REC-xml-c14n-20010315"/>
-        </Transforms>
-        <DigestMethod Algorithm="http://www.w3.org/2001/04/xmlenc#sha256"/>
-        <DigestValue>FfOTYs5qPsP9kqr29v088r9Qteu7RHAHwl1tK5oOaCM=</DigestValue>
-      </Reference>
-      <Reference URI="/ppt/slideLayouts/_rels/slideLayout5.xml.rels?ContentType=application/vnd.openxmlformats-package.relationships+xml">
-        <Transforms>
-          <Transform Algorithm="http://schemas.openxmlformats.org/package/2006/RelationshipTransform">
-            <mdssi:RelationshipReference xmlns:mdssi="http://schemas.openxmlformats.org/package/2006/digital-signature" SourceId="rId1"/>
-          </Transform>
-          <Transform Algorithm="http://www.w3.org/TR/2001/REC-xml-c14n-20010315"/>
-        </Transforms>
-        <DigestMethod Algorithm="http://www.w3.org/2001/04/xmlenc#sha256"/>
-        <DigestValue>FfOTYs5qPsP9kqr29v088r9Qteu7RHAHwl1tK5oOaCM=</DigestValue>
-      </Reference>
-      <Reference URI="/ppt/slideLayouts/_rels/slideLayout6.xml.rels?ContentType=application/vnd.openxmlformats-package.relationships+xml">
-        <Transforms>
-          <Transform Algorithm="http://schemas.openxmlformats.org/package/2006/RelationshipTransform">
-            <mdssi:RelationshipReference xmlns:mdssi="http://schemas.openxmlformats.org/package/2006/digital-signature" SourceId="rId1"/>
-          </Transform>
-          <Transform Algorithm="http://www.w3.org/TR/2001/REC-xml-c14n-20010315"/>
-        </Transforms>
-        <DigestMethod Algorithm="http://www.w3.org/2001/04/xmlenc#sha256"/>
-        <DigestValue>FfOTYs5qPsP9kqr29v088r9Qteu7RHAHwl1tK5oOaCM=</DigestValue>
-      </Reference>
-      <Reference URI="/ppt/slideLayouts/_rels/slideLayout7.xml.rels?ContentType=application/vnd.openxmlformats-package.relationships+xml">
-        <Transforms>
-          <Transform Algorithm="http://schemas.openxmlformats.org/package/2006/RelationshipTransform">
-            <mdssi:RelationshipReference xmlns:mdssi="http://schemas.openxmlformats.org/package/2006/digital-signature" SourceId="rId1"/>
-          </Transform>
-          <Transform Algorithm="http://www.w3.org/TR/2001/REC-xml-c14n-20010315"/>
-        </Transforms>
-        <DigestMethod Algorithm="http://www.w3.org/2001/04/xmlenc#sha256"/>
-        <DigestValue>FfOTYs5qPsP9kqr29v088r9Qteu7RHAHwl1tK5oOaCM=</DigestValue>
-      </Reference>
-      <Reference URI="/ppt/slideLayouts/_rels/slideLayout8.xml.rels?ContentType=application/vnd.openxmlformats-package.relationships+xml">
-        <Transforms>
-          <Transform Algorithm="http://schemas.openxmlformats.org/package/2006/RelationshipTransform">
-            <mdssi:RelationshipReference xmlns:mdssi="http://schemas.openxmlformats.org/package/2006/digital-signature" SourceId="rId1"/>
-          </Transform>
-          <Transform Algorithm="http://www.w3.org/TR/2001/REC-xml-c14n-20010315"/>
-        </Transforms>
-        <DigestMethod Algorithm="http://www.w3.org/2001/04/xmlenc#sha256"/>
-        <DigestValue>FfOTYs5qPsP9kqr29v088r9Qteu7RHAHwl1tK5oOaCM=</DigestValue>
-      </Reference>
-      <Reference URI="/ppt/slideLayouts/_rels/slideLayout9.xml.rels?ContentType=application/vnd.openxmlformats-package.relationships+xml">
-        <Transforms>
-          <Transform Algorithm="http://schemas.openxmlformats.org/package/2006/RelationshipTransform">
-            <mdssi:RelationshipReference xmlns:mdssi="http://schemas.openxmlformats.org/package/2006/digital-signature" SourceId="rId1"/>
-          </Transform>
-          <Transform Algorithm="http://www.w3.org/TR/2001/REC-xml-c14n-20010315"/>
-        </Transforms>
-        <DigestMethod Algorithm="http://www.w3.org/2001/04/xmlenc#sha256"/>
-        <DigestValue>FfOTYs5qPsP9kqr29v088r9Qteu7RHAHwl1tK5oOaCM=</DigestValue>
-      </Reference>
-      <Reference URI="/ppt/slideLayouts/slideLayout1.xml?ContentType=application/vnd.openxmlformats-officedocument.presentationml.slideLayout+xml">
-        <DigestMethod Algorithm="http://www.w3.org/2001/04/xmlenc#sha256"/>
-        <DigestValue>5ufIffsQ9ywhUBqdh5QtEe1INo8xysNNbQ8KVLQhuFw=</DigestValue>
-      </Reference>
-      <Reference URI="/ppt/slideLayouts/slideLayout10.xml?ContentType=application/vnd.openxmlformats-officedocument.presentationml.slideLayout+xml">
-        <DigestMethod Algorithm="http://www.w3.org/2001/04/xmlenc#sha256"/>
-        <DigestValue>76gD8qH4vt0OwkUsRt0/ebHH8QciDzwbPjADdknjLLc=</DigestValue>
-      </Reference>
-      <Reference URI="/ppt/slideLayouts/slideLayout11.xml?ContentType=application/vnd.openxmlformats-officedocument.presentationml.slideLayout+xml">
-        <DigestMethod Algorithm="http://www.w3.org/2001/04/xmlenc#sha256"/>
-        <DigestValue>AikXbPEPa77caCIHem3HP7pqc8x63bm7PqkOnvvQAis=</DigestValue>
-      </Reference>
-      <Reference URI="/ppt/slideLayouts/slideLayout2.xml?ContentType=application/vnd.openxmlformats-officedocument.presentationml.slideLayout+xml">
-        <DigestMethod Algorithm="http://www.w3.org/2001/04/xmlenc#sha256"/>
-        <DigestValue>U9htd8wz/75e5a29mrYmR+1gqQ8eg8/pDnEGXIJOs04=</DigestValue>
-      </Reference>
-      <Reference URI="/ppt/slideLayouts/slideLayout3.xml?ContentType=application/vnd.openxmlformats-officedocument.presentationml.slideLayout+xml">
-        <DigestMethod Algorithm="http://www.w3.org/2001/04/xmlenc#sha256"/>
-        <DigestValue>mt+gVdJLN3+GkBEy447UJpJJ1xYRx1RbAzjY6YZD/9w=</DigestValue>
-      </Reference>
-      <Reference URI="/ppt/slideLayouts/slideLayout4.xml?ContentType=application/vnd.openxmlformats-officedocument.presentationml.slideLayout+xml">
-        <DigestMethod Algorithm="http://www.w3.org/2001/04/xmlenc#sha256"/>
-        <DigestValue>7IwL1rSxz4OP02fABUfG0db5K3HsOsUPC+8HHpcG0fA=</DigestValue>
-      </Reference>
-      <Reference URI="/ppt/slideLayouts/slideLayout5.xml?ContentType=application/vnd.openxmlformats-officedocument.presentationml.slideLayout+xml">
-        <DigestMethod Algorithm="http://www.w3.org/2001/04/xmlenc#sha256"/>
-        <DigestValue>6kBJ9e2QtSepR9mhSiqTYzttu6gaO7t7Jj3czjPKCgI=</DigestValue>
-      </Reference>
-      <Reference URI="/ppt/slideLayouts/slideLayout6.xml?ContentType=application/vnd.openxmlformats-officedocument.presentationml.slideLayout+xml">
-        <DigestMethod Algorithm="http://www.w3.org/2001/04/xmlenc#sha256"/>
-        <DigestValue>C6Iu3hEw+iKogvw0ehzw9oUzCLUgABE+RC7LqphzZs4=</DigestValue>
-      </Reference>
-      <Reference URI="/ppt/slideLayouts/slideLayout7.xml?ContentType=application/vnd.openxmlformats-officedocument.presentationml.slideLayout+xml">
-        <DigestMethod Algorithm="http://www.w3.org/2001/04/xmlenc#sha256"/>
-        <DigestValue>MzK1MOCCupC9M0m+hojV6qcSsbqb8FtMXgVXdI1xIW0=</DigestValue>
-      </Reference>
-      <Reference URI="/ppt/slideLayouts/slideLayout8.xml?ContentType=application/vnd.openxmlformats-officedocument.presentationml.slideLayout+xml">
-        <DigestMethod Algorithm="http://www.w3.org/2001/04/xmlenc#sha256"/>
-        <DigestValue>Z3+hEzzXX0jPiTK72mftl39YKKNAfIq5JH8Z8zGmxa8=</DigestValue>
-      </Reference>
-      <Reference URI="/ppt/slideLayouts/slideLayout9.xml?ContentType=application/vnd.openxmlformats-officedocument.presentationml.slideLayout+xml">
-        <DigestMethod Algorithm="http://www.w3.org/2001/04/xmlenc#sha256"/>
-        <DigestValue>w9KJHsmnDfzl2O943dxABtPVp0ZNYh0h2M86Nf83jco=</DigestValue>
-      </Reference>
-      <Reference URI="/ppt/slideMasters/_rels/slideMaster1.xml.rels?ContentType=application/vnd.openxmlformats-package.relationships+xml">
-        <Transforms>
-          <Transform Algorithm="http://schemas.openxmlformats.org/package/2006/RelationshipTransform">
-            <mdssi:RelationshipReference xmlns:mdssi="http://schemas.openxmlformats.org/package/2006/digital-signature" SourceId="rId1"/>
-            <mdssi:RelationshipReference xmlns:mdssi="http://schemas.openxmlformats.org/package/2006/digital-signature" SourceId="rId6"/>
-            <mdssi:RelationshipReference xmlns:mdssi="http://schemas.openxmlformats.org/package/2006/digital-signature" SourceId="rId11"/>
-            <mdssi:RelationshipReference xmlns:mdssi="http://schemas.openxmlformats.org/package/2006/digital-signature" SourceId="rId5"/>
-            <mdssi:RelationshipReference xmlns:mdssi="http://schemas.openxmlformats.org/package/2006/digital-signature" SourceId="rId10"/>
-            <mdssi:RelationshipReference xmlns:mdssi="http://schemas.openxmlformats.org/package/2006/digital-signature" SourceId="rId4"/>
-            <mdssi:RelationshipReference xmlns:mdssi="http://schemas.openxmlformats.org/package/2006/digital-signature" SourceId="rId9"/>
-            <mdssi:RelationshipReference xmlns:mdssi="http://schemas.openxmlformats.org/package/2006/digital-signature" SourceId="rId8"/>
-            <mdssi:RelationshipReference xmlns:mdssi="http://schemas.openxmlformats.org/package/2006/digital-signature" SourceId="rId3"/>
-            <mdssi:RelationshipReference xmlns:mdssi="http://schemas.openxmlformats.org/package/2006/digital-signature" SourceId="rId7"/>
-            <mdssi:RelationshipReference xmlns:mdssi="http://schemas.openxmlformats.org/package/2006/digital-signature" SourceId="rId12"/>
-            <mdssi:RelationshipReference xmlns:mdssi="http://schemas.openxmlformats.org/package/2006/digital-signature" SourceId="rId2"/>
-          </Transform>
-          <Transform Algorithm="http://www.w3.org/TR/2001/REC-xml-c14n-20010315"/>
-        </Transforms>
-        <DigestMethod Algorithm="http://www.w3.org/2001/04/xmlenc#sha256"/>
-        <DigestValue>tSNfd+My+BfmzQxLC9EAQHv1RK/2+tNcci+9hfcJUEE=</DigestValue>
-      </Reference>
-      <Reference URI="/ppt/slideMasters/slideMaster1.xml?ContentType=application/vnd.openxmlformats-officedocument.presentationml.slideMaster+xml">
-        <DigestMethod Algorithm="http://www.w3.org/2001/04/xmlenc#sha256"/>
-        <DigestValue>/KswOCJV21r+YO+tZO8PO83lyUDPJ7Fj7KFWW+vWkic=</DigestValue>
-      </Reference>
-      <Reference URI="/ppt/slides/_rels/slide1.xml.rels?ContentType=application/vnd.openxmlformats-package.relationships+xml">
-        <Transforms>
-          <Transform Algorithm="http://schemas.openxmlformats.org/package/2006/RelationshipTransform">
-            <mdssi:RelationshipReference xmlns:mdssi="http://schemas.openxmlformats.org/package/2006/digital-signature" SourceId="rId1"/>
-            <mdssi:RelationshipReference xmlns:mdssi="http://schemas.openxmlformats.org/package/2006/digital-signature" SourceId="rId2"/>
-          </Transform>
-          <Transform Algorithm="http://www.w3.org/TR/2001/REC-xml-c14n-20010315"/>
-        </Transforms>
-        <DigestMethod Algorithm="http://www.w3.org/2001/04/xmlenc#sha256"/>
-        <DigestValue>Nn1d70j7geQa3frmJGbNV6e8ozMd6He8TyF4kIN5up4=</DigestValue>
-      </Reference>
-      <Reference URI="/ppt/slides/_rels/slide2.xml.rels?ContentType=application/vnd.openxmlformats-package.relationships+xml">
-        <Transforms>
-          <Transform Algorithm="http://schemas.openxmlformats.org/package/2006/RelationshipTransform">
-            <mdssi:RelationshipReference xmlns:mdssi="http://schemas.openxmlformats.org/package/2006/digital-signature" SourceId="rId2"/>
-            <mdssi:RelationshipReference xmlns:mdssi="http://schemas.openxmlformats.org/package/2006/digital-signature" SourceId="rId1"/>
-          </Transform>
-          <Transform Algorithm="http://www.w3.org/TR/2001/REC-xml-c14n-20010315"/>
-        </Transforms>
-        <DigestMethod Algorithm="http://www.w3.org/2001/04/xmlenc#sha256"/>
-        <DigestValue>RGNwCVOAF+n+Zj1tf/IR28GfPbtYYML3R4aikn6Zmr8=</DigestValue>
-      </Reference>
-      <Reference URI="/ppt/slides/_rels/slide3.xml.rels?ContentType=application/vnd.openxmlformats-package.relationships+xml">
-        <Transforms>
-          <Transform Algorithm="http://schemas.openxmlformats.org/package/2006/RelationshipTransform">
-            <mdssi:RelationshipReference xmlns:mdssi="http://schemas.openxmlformats.org/package/2006/digital-signature" SourceId="rId1"/>
-            <mdssi:RelationshipReference xmlns:mdssi="http://schemas.openxmlformats.org/package/2006/digital-signature" SourceId="rId2"/>
-          </Transform>
-          <Transform Algorithm="http://www.w3.org/TR/2001/REC-xml-c14n-20010315"/>
-        </Transforms>
-        <DigestMethod Algorithm="http://www.w3.org/2001/04/xmlenc#sha256"/>
-        <DigestValue>J0Mt6NVMEDmPwWcMAFg6Jgi9T1NqpXYX4IyJtucA0s8=</DigestValue>
-      </Reference>
-      <Reference URI="/ppt/slides/_rels/slide4.xml.rels?ContentType=application/vnd.openxmlformats-package.relationships+xml">
-        <Transforms>
-          <Transform Algorithm="http://schemas.openxmlformats.org/package/2006/RelationshipTransform">
-            <mdssi:RelationshipReference xmlns:mdssi="http://schemas.openxmlformats.org/package/2006/digital-signature" SourceId="rId1"/>
-            <mdssi:RelationshipReference xmlns:mdssi="http://schemas.openxmlformats.org/package/2006/digital-signature" SourceId="rId2"/>
-          </Transform>
-          <Transform Algorithm="http://www.w3.org/TR/2001/REC-xml-c14n-20010315"/>
-        </Transforms>
-        <DigestMethod Algorithm="http://www.w3.org/2001/04/xmlenc#sha256"/>
-        <DigestValue>VwDiipIaIO2wmDABrK3chY308TTe4lbMWYxhuVjEEtc=</DigestValue>
-      </Reference>
-      <Reference URI="/ppt/slides/_rels/slide5.xml.rels?ContentType=application/vnd.openxmlformats-package.relationships+xml">
-        <Transforms>
-          <Transform Algorithm="http://schemas.openxmlformats.org/package/2006/RelationshipTransform">
-            <mdssi:RelationshipReference xmlns:mdssi="http://schemas.openxmlformats.org/package/2006/digital-signature" SourceId="rId2"/>
-            <mdssi:RelationshipReference xmlns:mdssi="http://schemas.openxmlformats.org/package/2006/digital-signature" SourceId="rId1"/>
-          </Transform>
-          <Transform Algorithm="http://www.w3.org/TR/2001/REC-xml-c14n-20010315"/>
-        </Transforms>
-        <DigestMethod Algorithm="http://www.w3.org/2001/04/xmlenc#sha256"/>
-        <DigestValue>OMrMHWbeIqMaJDD06gDAi8ez22dsAo7cdIGrK3S/w48=</DigestValue>
-      </Reference>
-      <Reference URI="/ppt/slides/_rels/slide6.xml.rels?ContentType=application/vnd.openxmlformats-package.relationships+xml">
-        <Transforms>
-          <Transform Algorithm="http://schemas.openxmlformats.org/package/2006/RelationshipTransform">
-            <mdssi:RelationshipReference xmlns:mdssi="http://schemas.openxmlformats.org/package/2006/digital-signature" SourceId="rId2"/>
-            <mdssi:RelationshipReference xmlns:mdssi="http://schemas.openxmlformats.org/package/2006/digital-signature" SourceId="rId1"/>
-          </Transform>
-          <Transform Algorithm="http://www.w3.org/TR/2001/REC-xml-c14n-20010315"/>
-        </Transforms>
-        <DigestMethod Algorithm="http://www.w3.org/2001/04/xmlenc#sha256"/>
-        <DigestValue>4bnKpPlWumv6+D7L4gk0hUuhmgXVqrBfPGR51/fHU0U=</DigestValue>
-      </Reference>
-      <Reference URI="/ppt/slides/_rels/slide7.xml.rels?ContentType=application/vnd.openxmlformats-package.relationships+xml">
-        <Transforms>
-          <Transform Algorithm="http://schemas.openxmlformats.org/package/2006/RelationshipTransform">
-            <mdssi:RelationshipReference xmlns:mdssi="http://schemas.openxmlformats.org/package/2006/digital-signature" SourceId="rId1"/>
-            <mdssi:RelationshipReference xmlns:mdssi="http://schemas.openxmlformats.org/package/2006/digital-signature" SourceId="rId2"/>
-          </Transform>
-          <Transform Algorithm="http://www.w3.org/TR/2001/REC-xml-c14n-20010315"/>
-        </Transforms>
-        <DigestMethod Algorithm="http://www.w3.org/2001/04/xmlenc#sha256"/>
-        <DigestValue>1okGFd7bpcr0dLLJfH4tIpO7BSRStI1Ei9pFULhEoxs=</DigestValue>
-      </Reference>
-      <Reference URI="/ppt/slides/_rels/slide8.xml.rels?ContentType=application/vnd.openxmlformats-package.relationships+xml">
-        <Transforms>
-          <Transform Algorithm="http://schemas.openxmlformats.org/package/2006/RelationshipTransform">
-            <mdssi:RelationshipReference xmlns:mdssi="http://schemas.openxmlformats.org/package/2006/digital-signature" SourceId="rId2"/>
-            <mdssi:RelationshipReference xmlns:mdssi="http://schemas.openxmlformats.org/package/2006/digital-signature" SourceId="rId1"/>
-          </Transform>
-          <Transform Algorithm="http://www.w3.org/TR/2001/REC-xml-c14n-20010315"/>
-        </Transforms>
-        <DigestMethod Algorithm="http://www.w3.org/2001/04/xmlenc#sha256"/>
-        <DigestValue>OsMqNkrFRn72/igW3Bifoj2qo8YesZqHFk2Cur5jMIY=</DigestValue>
-      </Reference>
-      <Reference URI="/ppt/slides/slide1.xml?ContentType=application/vnd.openxmlformats-officedocument.presentationml.slide+xml">
-        <DigestMethod Algorithm="http://www.w3.org/2001/04/xmlenc#sha256"/>
-        <DigestValue>0CYLqqVudWYpdhgSW32rqdRbxnWfRoOT09dzOq+7m5s=</DigestValue>
-      </Reference>
-      <Reference URI="/ppt/slides/slide2.xml?ContentType=application/vnd.openxmlformats-officedocument.presentationml.slide+xml">
-        <DigestMethod Algorithm="http://www.w3.org/2001/04/xmlenc#sha256"/>
-        <DigestValue>YkscdDCuWKjFhb7dBzTCvR2l9ywNiqiaGJIopu4YTrI=</DigestValue>
-      </Reference>
-      <Reference URI="/ppt/slides/slide3.xml?ContentType=application/vnd.openxmlformats-officedocument.presentationml.slide+xml">
-        <DigestMethod Algorithm="http://www.w3.org/2001/04/xmlenc#sha256"/>
-        <DigestValue>5YSlXpdUln4d0mrBuMViu+T+9tVysYd/wBLnIWzrwHc=</DigestValue>
-      </Reference>
-      <Reference URI="/ppt/slides/slide4.xml?ContentType=application/vnd.openxmlformats-officedocument.presentationml.slide+xml">
-        <DigestMethod Algorithm="http://www.w3.org/2001/04/xmlenc#sha256"/>
-        <DigestValue>7zlF8w55SBZS+HEcRH7Kw7nnLX7o/HCAmG2IIHvL0do=</DigestValue>
-      </Reference>
-      <Reference URI="/ppt/slides/slide5.xml?ContentType=application/vnd.openxmlformats-officedocument.presentationml.slide+xml">
-        <DigestMethod Algorithm="http://www.w3.org/2001/04/xmlenc#sha256"/>
-        <DigestValue>f6x+saokjlOQ95Vjgc3FBMkSlyuJrFgXLFxKVQRZ9AM=</DigestValue>
-      </Reference>
-      <Reference URI="/ppt/slides/slide6.xml?ContentType=application/vnd.openxmlformats-officedocument.presentationml.slide+xml">
-        <DigestMethod Algorithm="http://www.w3.org/2001/04/xmlenc#sha256"/>
-        <DigestValue>avPfyu/dVpu4ECyWo+/IWOoe7ik6XiQk/wVHoSokJo8=</DigestValue>
-      </Reference>
-      <Reference URI="/ppt/slides/slide7.xml?ContentType=application/vnd.openxmlformats-officedocument.presentationml.slide+xml">
-        <DigestMethod Algorithm="http://www.w3.org/2001/04/xmlenc#sha256"/>
-        <DigestValue>96JzKYWAk3Jve7OVHPGHDnm14sDD0s7tR6rR2O0TeFA=</DigestValue>
-      </Reference>
-      <Reference URI="/ppt/slides/slide8.xml?ContentType=application/vnd.openxmlformats-officedocument.presentationml.slide+xml">
-        <DigestMethod Algorithm="http://www.w3.org/2001/04/xmlenc#sha256"/>
-        <DigestValue>WeLmoatvBXDfQw/6R3bo6I5CkG9O7parlKu4Zvcy+Ig=</DigestValue>
-      </Reference>
-      <Reference URI="/ppt/tableStyles.xml?ContentType=application/vnd.openxmlformats-officedocument.presentationml.tableStyles+xml">
-        <DigestMethod Algorithm="http://www.w3.org/2001/04/xmlenc#sha256"/>
-        <DigestValue>DnrAMlEzfsuvbIyhNhnbHK7aXJDE4yENRdbD9d9N4QM=</DigestValue>
-      </Reference>
-      <Reference URI="/ppt/theme/theme1.xml?ContentType=application/vnd.openxmlformats-officedocument.theme+xml">
-        <DigestMethod Algorithm="http://www.w3.org/2001/04/xmlenc#sha256"/>
-        <DigestValue>KCjNoxbJC9CnDaJsYXVnD1SchID4doJpt0APM/c37E4=</DigestValue>
-      </Reference>
-      <Reference URI="/ppt/viewProps.xml?ContentType=application/vnd.openxmlformats-officedocument.presentationml.viewProps+xml">
-        <DigestMethod Algorithm="http://www.w3.org/2001/04/xmlenc#sha256"/>
-        <DigestValue>Uwwqi067s9/tny7VORXwCda9A/5jYjg298CAi2NmYm4=</DigestValue>
-      </Reference>
-    </Manifest>
-    <SignatureProperties>
-      <SignatureProperty Id="idSignatureTime" Target="#idPackageSignature">
-        <mdssi:SignatureTime xmlns:mdssi="http://schemas.openxmlformats.org/package/2006/digital-signature">
-          <mdssi:Format>YYYY-MM-DDThh:mm:ssTZD</mdssi:Format>
-          <mdssi:Value>2022-11-26T12:12:34Z</mdssi:Value>
-        </mdssi:SignatureTime>
-      </SignatureProperty>
-    </SignatureProperties>
-  </Object>
-  <Object Id="idOfficeObject">
-    <SignatureProperties>
-      <SignatureProperty Id="idOfficeV1Details" Target="#idPackageSignature">
-        <SignatureInfoV1 xmlns="http://schemas.microsoft.com/office/2006/digsig">
-          <SetupID/>
-          <SignatureText/>
-          <SignatureImage/>
-          <SignatureComments/>
-          <WindowsVersion>10.0</WindowsVersion>
-          <OfficeVersion>15.0</OfficeVersion>
-          <ApplicationVersion>15.0</ApplicationVersion>
-          <Monitors>1</Monitors>
-          <HorizontalResolution>1366</HorizontalResolution>
-          <VerticalResolution>768</VerticalResolution>
-          <ColorDepth>32</ColorDepth>
-          <SignatureProviderId>{00000000-0000-0000-0000-000000000000}</SignatureProviderId>
-          <SignatureProviderUrl/>
-          <SignatureProviderDetails>9</SignatureProviderDetails>
-          <SignatureType>1</SignatureType>
-        </SignatureInfoV1>
-      </SignatureProperty>
-    </SignatureProperties>
-  </Object>
-  <Object>
-    <xd:QualifyingProperties xmlns:xd="http://uri.etsi.org/01903/v1.3.2#" Target="#idPackageSignature">
-      <xd:SignedProperties Id="idSignedProperties">
-        <xd:SignedSignatureProperties>
-          <xd:SigningTime>2022-11-26T12:12:34Z</xd:SigningTime>
-          <xd:SigningCertificate>
-            <xd:Cert>
-              <xd:CertDigest>
-                <DigestMethod Algorithm="http://www.w3.org/2001/04/xmlenc#sha256"/>
-                <DigestValue>MC4WTXXTN8/57o2teh2dQwEBi3u6epoPOpfwDk8K/L4=</DigestValue>
-              </xd:CertDigest>
-              <xd:IssuerSerial>
-                <X509IssuerName>DC=net + DC=windows + CN=MS-Organization-Access + OU=82dbaca4-3e81-46ca-9c73-0950c1eaca97</X509IssuerName>
-                <X509SerialNumber>101080667917554879588813291801399558660</X509SerialNumber>
-              </xd:IssuerSerial>
-            </xd:Cert>
-          </xd:SigningCertificate>
-          <xd:SignaturePolicyIdentifier>
-            <xd:SignaturePolicyImplied/>
-          </xd:SignaturePolicyIdentifier>
-        </xd:SignedSignatureProperties>
-        <xd:SignedDataObjectProperties>
-          <xd:CommitmentTypeIndication>
-            <xd:CommitmentTypeId>
-              <xd:Identifier>http://uri.etsi.org/01903/v1.2.2#ProofOfOrigin</xd:Identifier>
-              <xd:Description>Creó y aprobó este documento</xd:Description>
-            </xd:CommitmentTypeId>
-            <xd:AllSignedDataObjects/>
-          </xd:CommitmentTypeIndication>
-        </xd:SignedDataObjectProperties>
-      </xd:SignedProperties>
-    </xd:QualifyingProperties>
-  </Object>
-</Signature>
 </file>